--- a/ProjectPresentation.pptx
+++ b/ProjectPresentation.pptx
@@ -116,6 +116,11 @@
       </a:defRPr>
     </a:lvl9pPr>
   </p:defaultTextStyle>
+  <p:extLst>
+    <p:ext uri="{EFAFB233-063F-42B5-8137-9DF3F51BA10A}">
+      <p15:sldGuideLst xmlns:p15="http://schemas.microsoft.com/office/powerpoint/2012/main"/>
+    </p:ext>
+  </p:extLst>
 </p:presentation>
 </file>
 
@@ -3478,13 +3483,25 @@
           <a:p>
             <a:r>
               <a:rPr lang="en-US" dirty="0"/>
-              <a:t>Summary of user feedback or testing results</a:t>
-            </a:r>
-          </a:p>
-          <a:p>
-            <a:r>
-              <a:rPr lang="en-US" dirty="0"/>
-              <a:t>How feedback was incorporated into the project</a:t>
+              <a:t>Website was ugly.</a:t>
+            </a:r>
+          </a:p>
+          <a:p>
+            <a:r>
+              <a:rPr lang="en-US" dirty="0"/>
+              <a:t>Login Page did mesh well with main page.</a:t>
+            </a:r>
+          </a:p>
+          <a:p>
+            <a:r>
+              <a:rPr lang="en-US" dirty="0"/>
+              <a:t>Improved aesthetics as a result.</a:t>
+            </a:r>
+          </a:p>
+          <a:p>
+            <a:r>
+              <a:rPr lang="en-US" dirty="0"/>
+              <a:t>Login Page conformed and simplified.</a:t>
             </a:r>
           </a:p>
         </p:txBody>
@@ -3570,13 +3587,19 @@
           <a:p>
             <a:r>
               <a:rPr lang="en-US" dirty="0"/>
-              <a:t>Roadmap for future development</a:t>
-            </a:r>
-          </a:p>
-          <a:p>
-            <a:r>
-              <a:rPr lang="en-US" dirty="0"/>
-              <a:t>Features or enhancements planned for future releases</a:t>
+              <a:t>Comic book-like aesthetic</a:t>
+            </a:r>
+          </a:p>
+          <a:p>
+            <a:r>
+              <a:rPr lang="en-US" dirty="0"/>
+              <a:t>Deployment to Google Cloud</a:t>
+            </a:r>
+          </a:p>
+          <a:p>
+            <a:r>
+              <a:rPr lang="en-US" dirty="0"/>
+              <a:t>Online Storefront/Shopping feature</a:t>
             </a:r>
           </a:p>
         </p:txBody>
@@ -4039,19 +4062,47 @@
           <a:p>
             <a:r>
               <a:rPr lang="en-US" dirty="0"/>
-              <a:t>Methodology used</a:t>
-            </a:r>
-          </a:p>
-          <a:p>
-            <a:r>
-              <a:rPr lang="en-US" dirty="0"/>
-              <a:t>Timeline and milestones</a:t>
-            </a:r>
-          </a:p>
-          <a:p>
-            <a:r>
-              <a:rPr lang="en-US" dirty="0"/>
-              <a:t>Challenges faced and how they were overcome</a:t>
+              <a:t>Agile Methodology</a:t>
+            </a:r>
+          </a:p>
+          <a:p>
+            <a:r>
+              <a:rPr lang="en-US" dirty="0"/>
+              <a:t>Sprint 1 Setting Up the backend</a:t>
+            </a:r>
+          </a:p>
+          <a:p>
+            <a:r>
+              <a:rPr lang="en-US" dirty="0"/>
+              <a:t>Sprint 2 Barebones Front end</a:t>
+            </a:r>
+          </a:p>
+          <a:p>
+            <a:r>
+              <a:rPr lang="en-US" dirty="0"/>
+              <a:t>Sprint 3 Finishing the backend</a:t>
+            </a:r>
+          </a:p>
+          <a:p>
+            <a:r>
+              <a:rPr lang="en-US" dirty="0"/>
+              <a:t>Sprint 4 Was finishing Front End</a:t>
+            </a:r>
+          </a:p>
+          <a:p>
+            <a:r>
+              <a:rPr lang="en-US" dirty="0"/>
+              <a:t>Sprint 5 was Overall Polish</a:t>
+            </a:r>
+          </a:p>
+          <a:p>
+            <a:r>
+              <a:rPr lang="en-US" dirty="0" err="1"/>
+              <a:t>Schudeling</a:t>
+            </a:r>
+            <a:r>
+              <a:rPr lang="en-US" dirty="0"/>
+              <a:t> Conflicts solved by changing meeting times</a:t>
             </a:r>
           </a:p>
         </p:txBody>
@@ -4235,13 +4286,24 @@
           <a:p>
             <a:r>
               <a:rPr lang="en-US" dirty="0"/>
-              <a:t>Highlight the main features of the software</a:t>
-            </a:r>
-          </a:p>
-          <a:p>
-            <a:r>
-              <a:rPr lang="en-US" dirty="0"/>
-              <a:t>Benefits to users or stakeholders</a:t>
+              <a:t>Inventory Management</a:t>
+            </a:r>
+          </a:p>
+          <a:p>
+            <a:r>
+              <a:rPr lang="en-US" dirty="0"/>
+              <a:t>Adding, removing, editing, </a:t>
+            </a:r>
+            <a:r>
+              <a:rPr lang="en-US" dirty="0" err="1"/>
+              <a:t>etc</a:t>
+            </a:r>
+            <a:endParaRPr lang="en-US" dirty="0"/>
+          </a:p>
+          <a:p>
+            <a:r>
+              <a:rPr lang="en-US" dirty="0"/>
+              <a:t>Organization, Customization, Controlled User Access Levels</a:t>
             </a:r>
           </a:p>
           <a:p>
@@ -4342,6 +4404,24 @@
               <a:t>Notable development efforts or challenges</a:t>
             </a:r>
           </a:p>
+          <a:p>
+            <a:r>
+              <a:rPr lang="en-US" dirty="0"/>
+              <a:t>- Setting up a server</a:t>
+            </a:r>
+          </a:p>
+          <a:p>
+            <a:r>
+              <a:rPr lang="en-US" dirty="0"/>
+              <a:t>- Manipulating a SQL Database</a:t>
+            </a:r>
+          </a:p>
+          <a:p>
+            <a:r>
+              <a:rPr lang="en-US" dirty="0"/>
+              <a:t>- CSS Themes</a:t>
+            </a:r>
+          </a:p>
         </p:txBody>
       </p:sp>
     </p:spTree>
@@ -4425,19 +4505,29 @@
           <a:p>
             <a:r>
               <a:rPr lang="en-US" dirty="0"/>
-              <a:t>Overview of testing processes</a:t>
-            </a:r>
-          </a:p>
-          <a:p>
-            <a:r>
-              <a:rPr lang="en-US" dirty="0"/>
-              <a:t>Types of testing conducted</a:t>
-            </a:r>
-          </a:p>
-          <a:p>
-            <a:r>
-              <a:rPr lang="en-US" dirty="0"/>
-              <a:t>Results and outcomes of testing efforts</a:t>
+              <a:t>Manual Testing</a:t>
+            </a:r>
+          </a:p>
+          <a:p>
+            <a:r>
+              <a:rPr lang="en-US" dirty="0"/>
+              <a:t>Checked Input validation</a:t>
+            </a:r>
+          </a:p>
+          <a:p>
+            <a:r>
+              <a:rPr lang="en-US" dirty="0"/>
+              <a:t>Visual Bugs</a:t>
+            </a:r>
+          </a:p>
+          <a:p>
+            <a:r>
+              <a:rPr lang="en-US" dirty="0" err="1"/>
+              <a:t>Github</a:t>
+            </a:r>
+            <a:r>
+              <a:rPr lang="en-US" dirty="0"/>
+              <a:t> Pull Request/Review Process</a:t>
             </a:r>
           </a:p>
         </p:txBody>
@@ -4523,19 +4613,7 @@
           <a:p>
             <a:r>
               <a:rPr lang="en-US" dirty="0"/>
-              <a:t>Description of deployment process</a:t>
-            </a:r>
-          </a:p>
-          <a:p>
-            <a:r>
-              <a:rPr lang="en-US" dirty="0"/>
-              <a:t>Environments used</a:t>
-            </a:r>
-          </a:p>
-          <a:p>
-            <a:r>
-              <a:rPr lang="en-US" dirty="0"/>
-              <a:t>Challenges or success during deployment</a:t>
+              <a:t>Requires manual deployment after installation.</a:t>
             </a:r>
           </a:p>
         </p:txBody>

--- a/ProjectPresentation.pptx
+++ b/ProjectPresentation.pptx
@@ -271,7 +271,7 @@
           <a:p>
             <a:fld id="{E465B2BE-03CF-4682-80A9-667E94B7E420}" type="datetimeFigureOut">
               <a:rPr lang="en-US" smtClean="0"/>
-              <a:t>11/22/2024</a:t>
+              <a:t>11/24/2024</a:t>
             </a:fld>
             <a:endParaRPr lang="en-US"/>
           </a:p>
@@ -469,7 +469,7 @@
           <a:p>
             <a:fld id="{E465B2BE-03CF-4682-80A9-667E94B7E420}" type="datetimeFigureOut">
               <a:rPr lang="en-US" smtClean="0"/>
-              <a:t>11/22/2024</a:t>
+              <a:t>11/24/2024</a:t>
             </a:fld>
             <a:endParaRPr lang="en-US"/>
           </a:p>
@@ -677,7 +677,7 @@
           <a:p>
             <a:fld id="{E465B2BE-03CF-4682-80A9-667E94B7E420}" type="datetimeFigureOut">
               <a:rPr lang="en-US" smtClean="0"/>
-              <a:t>11/22/2024</a:t>
+              <a:t>11/24/2024</a:t>
             </a:fld>
             <a:endParaRPr lang="en-US"/>
           </a:p>
@@ -875,7 +875,7 @@
           <a:p>
             <a:fld id="{E465B2BE-03CF-4682-80A9-667E94B7E420}" type="datetimeFigureOut">
               <a:rPr lang="en-US" smtClean="0"/>
-              <a:t>11/22/2024</a:t>
+              <a:t>11/24/2024</a:t>
             </a:fld>
             <a:endParaRPr lang="en-US"/>
           </a:p>
@@ -1150,7 +1150,7 @@
           <a:p>
             <a:fld id="{E465B2BE-03CF-4682-80A9-667E94B7E420}" type="datetimeFigureOut">
               <a:rPr lang="en-US" smtClean="0"/>
-              <a:t>11/22/2024</a:t>
+              <a:t>11/24/2024</a:t>
             </a:fld>
             <a:endParaRPr lang="en-US"/>
           </a:p>
@@ -1415,7 +1415,7 @@
           <a:p>
             <a:fld id="{E465B2BE-03CF-4682-80A9-667E94B7E420}" type="datetimeFigureOut">
               <a:rPr lang="en-US" smtClean="0"/>
-              <a:t>11/22/2024</a:t>
+              <a:t>11/24/2024</a:t>
             </a:fld>
             <a:endParaRPr lang="en-US"/>
           </a:p>
@@ -1827,7 +1827,7 @@
           <a:p>
             <a:fld id="{E465B2BE-03CF-4682-80A9-667E94B7E420}" type="datetimeFigureOut">
               <a:rPr lang="en-US" smtClean="0"/>
-              <a:t>11/22/2024</a:t>
+              <a:t>11/24/2024</a:t>
             </a:fld>
             <a:endParaRPr lang="en-US"/>
           </a:p>
@@ -1968,7 +1968,7 @@
           <a:p>
             <a:fld id="{E465B2BE-03CF-4682-80A9-667E94B7E420}" type="datetimeFigureOut">
               <a:rPr lang="en-US" smtClean="0"/>
-              <a:t>11/22/2024</a:t>
+              <a:t>11/24/2024</a:t>
             </a:fld>
             <a:endParaRPr lang="en-US"/>
           </a:p>
@@ -2081,7 +2081,7 @@
           <a:p>
             <a:fld id="{E465B2BE-03CF-4682-80A9-667E94B7E420}" type="datetimeFigureOut">
               <a:rPr lang="en-US" smtClean="0"/>
-              <a:t>11/22/2024</a:t>
+              <a:t>11/24/2024</a:t>
             </a:fld>
             <a:endParaRPr lang="en-US"/>
           </a:p>
@@ -2392,7 +2392,7 @@
           <a:p>
             <a:fld id="{E465B2BE-03CF-4682-80A9-667E94B7E420}" type="datetimeFigureOut">
               <a:rPr lang="en-US" smtClean="0"/>
-              <a:t>11/22/2024</a:t>
+              <a:t>11/24/2024</a:t>
             </a:fld>
             <a:endParaRPr lang="en-US"/>
           </a:p>
@@ -2680,7 +2680,7 @@
           <a:p>
             <a:fld id="{E465B2BE-03CF-4682-80A9-667E94B7E420}" type="datetimeFigureOut">
               <a:rPr lang="en-US" smtClean="0"/>
-              <a:t>11/22/2024</a:t>
+              <a:t>11/24/2024</a:t>
             </a:fld>
             <a:endParaRPr lang="en-US"/>
           </a:p>
@@ -2921,7 +2921,7 @@
           <a:p>
             <a:fld id="{E465B2BE-03CF-4682-80A9-667E94B7E420}" type="datetimeFigureOut">
               <a:rPr lang="en-US" smtClean="0"/>
-              <a:t>11/22/2024</a:t>
+              <a:t>11/24/2024</a:t>
             </a:fld>
             <a:endParaRPr lang="en-US"/>
           </a:p>
@@ -3390,14 +3390,33 @@
             <a:pPr algn="l"/>
             <a:r>
               <a:rPr lang="en-US" dirty="0"/>
-              <a:t>Team Members:</a:t>
-            </a:r>
+              <a:t>Team Members: Brandon Biggs, Joshua Macy, Julia McDonald, Ryan </a:t>
+            </a:r>
+            <a:r>
+              <a:rPr lang="en-US" dirty="0" err="1"/>
+              <a:t>Burres</a:t>
+            </a:r>
+            <a:r>
+              <a:rPr lang="en-US" dirty="0"/>
+              <a:t>, James Dove, and Jaylan Chavis</a:t>
+            </a:r>
+          </a:p>
+          <a:p>
+            <a:pPr algn="l"/>
             <a:br>
               <a:rPr lang="en-US" dirty="0"/>
             </a:br>
             <a:r>
               <a:rPr lang="en-US" dirty="0"/>
-              <a:t>Date:</a:t>
+              <a:t>Date: November 24</a:t>
+            </a:r>
+            <a:r>
+              <a:rPr lang="en-US" baseline="30000" dirty="0"/>
+              <a:t>th</a:t>
+            </a:r>
+            <a:r>
+              <a:rPr lang="en-US" dirty="0"/>
+              <a:t>, 2024</a:t>
             </a:r>
           </a:p>
         </p:txBody>
@@ -3866,7 +3885,7 @@
           <a:p>
             <a:r>
               <a:rPr lang="en-US" dirty="0"/>
-              <a:t>Overview of project</a:t>
+              <a:t>Local Server built on Django and SQL for Managing Books</a:t>
             </a:r>
           </a:p>
           <a:p>
@@ -3976,8 +3995,32 @@
           <a:p>
             <a:r>
               <a:rPr lang="en-US" dirty="0"/>
+              <a:t>- Bookworms</a:t>
+            </a:r>
+          </a:p>
+          <a:p>
+            <a:r>
+              <a:rPr lang="en-US" dirty="0"/>
               <a:t>Scope and features</a:t>
             </a:r>
+          </a:p>
+          <a:p>
+            <a:r>
+              <a:rPr lang="en-US" dirty="0"/>
+              <a:t>- Database Manipulation</a:t>
+            </a:r>
+          </a:p>
+          <a:p>
+            <a:r>
+              <a:rPr lang="en-US" dirty="0"/>
+              <a:t>- Theme Customization</a:t>
+            </a:r>
+          </a:p>
+          <a:p>
+            <a:pPr marL="0" indent="0">
+              <a:buNone/>
+            </a:pPr>
+            <a:endParaRPr lang="en-US" dirty="0"/>
           </a:p>
         </p:txBody>
       </p:sp>
@@ -4068,41 +4111,37 @@
           <a:p>
             <a:r>
               <a:rPr lang="en-US" dirty="0"/>
-              <a:t>Sprint 1 Setting Up the backend</a:t>
-            </a:r>
-          </a:p>
-          <a:p>
-            <a:r>
-              <a:rPr lang="en-US" dirty="0"/>
-              <a:t>Sprint 2 Barebones Front end</a:t>
-            </a:r>
-          </a:p>
-          <a:p>
-            <a:r>
-              <a:rPr lang="en-US" dirty="0"/>
-              <a:t>Sprint 3 Finishing the backend</a:t>
-            </a:r>
-          </a:p>
-          <a:p>
-            <a:r>
-              <a:rPr lang="en-US" dirty="0"/>
-              <a:t>Sprint 4 Was finishing Front End</a:t>
-            </a:r>
-          </a:p>
-          <a:p>
-            <a:r>
-              <a:rPr lang="en-US" dirty="0"/>
-              <a:t>Sprint 5 was Overall Polish</a:t>
-            </a:r>
-          </a:p>
-          <a:p>
-            <a:r>
-              <a:rPr lang="en-US" dirty="0" err="1"/>
-              <a:t>Schudeling</a:t>
-            </a:r>
-            <a:r>
-              <a:rPr lang="en-US" dirty="0"/>
-              <a:t> Conflicts solved by changing meeting times</a:t>
+              <a:t>- Sprint 1 Setting Up the Backend</a:t>
+            </a:r>
+          </a:p>
+          <a:p>
+            <a:r>
+              <a:rPr lang="en-US" dirty="0"/>
+              <a:t>- Sprint 2 Barebones Front End</a:t>
+            </a:r>
+          </a:p>
+          <a:p>
+            <a:r>
+              <a:rPr lang="en-US" dirty="0"/>
+              <a:t>- Sprint 3 Finishing the Backend</a:t>
+            </a:r>
+          </a:p>
+          <a:p>
+            <a:r>
+              <a:rPr lang="en-US" dirty="0"/>
+              <a:t>- Sprint 4 Was Finishing Front End</a:t>
+            </a:r>
+          </a:p>
+          <a:p>
+            <a:r>
+              <a:rPr lang="en-US" dirty="0"/>
+              <a:t>- Sprint 5 Was Overall Polish</a:t>
+            </a:r>
+          </a:p>
+          <a:p>
+            <a:r>
+              <a:rPr lang="en-US" dirty="0"/>
+              <a:t>Scheduling Conflicts solved by changing meeting times</a:t>
             </a:r>
           </a:p>
         </p:txBody>
